--- a/docs/Search Engine Architecture.pptx
+++ b/docs/Search Engine Architecture.pptx
@@ -5,7 +5,7 @@
     <p:sldMasterId id="2147483648" r:id="rId1"/>
   </p:sldMasterIdLst>
   <p:notesMasterIdLst>
-    <p:notesMasterId r:id="rId15"/>
+    <p:notesMasterId r:id="rId16"/>
   </p:notesMasterIdLst>
   <p:sldIdLst>
     <p:sldId id="256" r:id="rId2"/>
@@ -21,6 +21,7 @@
     <p:sldId id="267" r:id="rId12"/>
     <p:sldId id="268" r:id="rId13"/>
     <p:sldId id="266" r:id="rId14"/>
+    <p:sldId id="270" r:id="rId15"/>
   </p:sldIdLst>
   <p:sldSz cx="9144000" cy="6858000" type="screen4x3"/>
   <p:notesSz cx="6858000" cy="9144000"/>
@@ -137,6 +138,7 @@
             <p14:sldId id="267"/>
             <p14:sldId id="268"/>
             <p14:sldId id="266"/>
+            <p14:sldId id="270"/>
           </p14:sldIdLst>
         </p14:section>
       </p14:sectionLst>
@@ -241,7 +243,7 @@
           <a:p>
             <a:fld id="{127356B7-B05E-4B65-B710-35BEA11EE6FE}" type="datetimeFigureOut">
               <a:rPr lang="en-US" smtClean="0"/>
-              <a:t>8/27/2014</a:t>
+              <a:t>8/30/2015</a:t>
             </a:fld>
             <a:endParaRPr lang="en-US"/>
           </a:p>
@@ -507,6 +509,90 @@
     </a:lvl9pPr>
   </p:notesStyle>
 </p:notesMaster>
+</file>
+
+<file path=ppt/notesSlides/notesSlide1.xml><?xml version="1.0" encoding="utf-8"?>
+<p:notes xmlns:a="http://schemas.openxmlformats.org/drawingml/2006/main" xmlns:r="http://schemas.openxmlformats.org/officeDocument/2006/relationships" xmlns:p="http://schemas.openxmlformats.org/presentationml/2006/main">
+  <p:cSld>
+    <p:spTree>
+      <p:nvGrpSpPr>
+        <p:cNvPr id="1" name=""/>
+        <p:cNvGrpSpPr/>
+        <p:nvPr/>
+      </p:nvGrpSpPr>
+      <p:grpSpPr>
+        <a:xfrm>
+          <a:off x="0" y="0"/>
+          <a:ext cx="0" cy="0"/>
+          <a:chOff x="0" y="0"/>
+          <a:chExt cx="0" cy="0"/>
+        </a:xfrm>
+      </p:grpSpPr>
+      <p:sp>
+        <p:nvSpPr>
+          <p:cNvPr id="2" name="Slide Image Placeholder 1"/>
+          <p:cNvSpPr>
+            <a:spLocks noGrp="1" noRot="1" noChangeAspect="1"/>
+          </p:cNvSpPr>
+          <p:nvPr>
+            <p:ph type="sldImg"/>
+          </p:nvPr>
+        </p:nvSpPr>
+        <p:spPr/>
+      </p:sp>
+      <p:sp>
+        <p:nvSpPr>
+          <p:cNvPr id="3" name="Notes Placeholder 2"/>
+          <p:cNvSpPr>
+            <a:spLocks noGrp="1"/>
+          </p:cNvSpPr>
+          <p:nvPr>
+            <p:ph type="body" idx="1"/>
+          </p:nvPr>
+        </p:nvSpPr>
+        <p:spPr/>
+        <p:txBody>
+          <a:bodyPr/>
+          <a:lstStyle/>
+          <a:p>
+            <a:endParaRPr lang="en-US"/>
+          </a:p>
+        </p:txBody>
+      </p:sp>
+      <p:sp>
+        <p:nvSpPr>
+          <p:cNvPr id="4" name="Slide Number Placeholder 3"/>
+          <p:cNvSpPr>
+            <a:spLocks noGrp="1"/>
+          </p:cNvSpPr>
+          <p:nvPr>
+            <p:ph type="sldNum" sz="quarter" idx="10"/>
+          </p:nvPr>
+        </p:nvSpPr>
+        <p:spPr/>
+        <p:txBody>
+          <a:bodyPr/>
+          <a:lstStyle/>
+          <a:p>
+            <a:fld id="{AF5856CF-C803-4F3C-B03B-5DACDFA2DBF7}" type="slidenum">
+              <a:rPr lang="en-US" smtClean="0"/>
+              <a:t>2</a:t>
+            </a:fld>
+            <a:endParaRPr lang="en-US"/>
+          </a:p>
+        </p:txBody>
+      </p:sp>
+    </p:spTree>
+    <p:extLst>
+      <p:ext uri="{BB962C8B-B14F-4D97-AF65-F5344CB8AC3E}">
+        <p14:creationId xmlns:p14="http://schemas.microsoft.com/office/powerpoint/2010/main" val="951514423"/>
+      </p:ext>
+    </p:extLst>
+  </p:cSld>
+  <p:clrMapOvr>
+    <a:masterClrMapping/>
+  </p:clrMapOvr>
+</p:notes>
 </file>
 
 <file path=ppt/slideLayouts/slideLayout1.xml><?xml version="1.0" encoding="utf-8"?>
@@ -713,7 +799,7 @@
           <a:p>
             <a:r>
               <a:rPr lang="en-US" smtClean="0"/>
-              <a:t>CS6501: Information Retrieval</a:t>
+              <a:t>CS4501: Information Retrieval</a:t>
             </a:r>
             <a:endParaRPr lang="en-US"/>
           </a:p>
@@ -887,7 +973,7 @@
           <a:p>
             <a:r>
               <a:rPr lang="en-US" smtClean="0"/>
-              <a:t>CS6501: Information Retrieval</a:t>
+              <a:t>CS4501: Information Retrieval</a:t>
             </a:r>
             <a:endParaRPr lang="en-US"/>
           </a:p>
@@ -1071,7 +1157,7 @@
           <a:p>
             <a:r>
               <a:rPr lang="en-US" smtClean="0"/>
-              <a:t>CS6501: Information Retrieval</a:t>
+              <a:t>CS4501: Information Retrieval</a:t>
             </a:r>
             <a:endParaRPr lang="en-US"/>
           </a:p>
@@ -1245,7 +1331,7 @@
           <a:p>
             <a:r>
               <a:rPr lang="en-US" smtClean="0"/>
-              <a:t>CS6501: Information Retrieval</a:t>
+              <a:t>CS4501: Information Retrieval</a:t>
             </a:r>
             <a:endParaRPr lang="en-US"/>
           </a:p>
@@ -1495,7 +1581,7 @@
           <a:p>
             <a:r>
               <a:rPr lang="en-US" smtClean="0"/>
-              <a:t>CS6501: Information Retrieval</a:t>
+              <a:t>CS4501: Information Retrieval</a:t>
             </a:r>
             <a:endParaRPr lang="en-US"/>
           </a:p>
@@ -1787,7 +1873,7 @@
           <a:p>
             <a:r>
               <a:rPr lang="en-US" smtClean="0"/>
-              <a:t>CS6501: Information Retrieval</a:t>
+              <a:t>CS4501: Information Retrieval</a:t>
             </a:r>
             <a:endParaRPr lang="en-US"/>
           </a:p>
@@ -2213,7 +2299,7 @@
           <a:p>
             <a:r>
               <a:rPr lang="en-US" smtClean="0"/>
-              <a:t>CS6501: Information Retrieval</a:t>
+              <a:t>CS4501: Information Retrieval</a:t>
             </a:r>
             <a:endParaRPr lang="en-US"/>
           </a:p>
@@ -2335,7 +2421,7 @@
           <a:p>
             <a:r>
               <a:rPr lang="en-US" smtClean="0"/>
-              <a:t>CS6501: Information Retrieval</a:t>
+              <a:t>CS4501: Information Retrieval</a:t>
             </a:r>
             <a:endParaRPr lang="en-US"/>
           </a:p>
@@ -2434,7 +2520,7 @@
           <a:p>
             <a:r>
               <a:rPr lang="en-US" smtClean="0"/>
-              <a:t>CS6501: Information Retrieval</a:t>
+              <a:t>CS4501: Information Retrieval</a:t>
             </a:r>
             <a:endParaRPr lang="en-US"/>
           </a:p>
@@ -2715,7 +2801,7 @@
           <a:p>
             <a:r>
               <a:rPr lang="en-US" smtClean="0"/>
-              <a:t>CS6501: Information Retrieval</a:t>
+              <a:t>CS4501: Information Retrieval</a:t>
             </a:r>
             <a:endParaRPr lang="en-US"/>
           </a:p>
@@ -2972,7 +3058,7 @@
           <a:p>
             <a:r>
               <a:rPr lang="en-US" smtClean="0"/>
-              <a:t>CS6501: Information Retrieval</a:t>
+              <a:t>CS4501: Information Retrieval</a:t>
             </a:r>
             <a:endParaRPr lang="en-US"/>
           </a:p>
@@ -3207,7 +3293,7 @@
           <a:p>
             <a:r>
               <a:rPr lang="en-US" smtClean="0"/>
-              <a:t>CS6501: Information Retrieval</a:t>
+              <a:t>CS4501: Information Retrieval</a:t>
             </a:r>
             <a:endParaRPr lang="en-US"/>
           </a:p>
@@ -3759,7 +3845,7 @@
           <a:p>
             <a:r>
               <a:rPr lang="en-US" smtClean="0"/>
-              <a:t>CS6501: Information Retrieval</a:t>
+              <a:t>CS4501: Information Retrieval</a:t>
             </a:r>
             <a:endParaRPr lang="en-US"/>
           </a:p>
@@ -4127,7 +4213,7 @@
           <a:p>
             <a:r>
               <a:rPr lang="en-US" smtClean="0"/>
-              <a:t>CS6501: Information Retrieval</a:t>
+              <a:t>CS4501: Information Retrieval</a:t>
             </a:r>
             <a:endParaRPr lang="en-US"/>
           </a:p>
@@ -4353,7 +4439,7 @@
         </p:blipFill>
         <p:spPr bwMode="auto">
           <a:xfrm>
-            <a:off x="1891675" y="2362200"/>
+            <a:off x="1905000" y="2359100"/>
             <a:ext cx="4966325" cy="2812257"/>
           </a:xfrm>
           <a:prstGeom prst="rect">
@@ -4970,7 +5056,7 @@
           <a:p>
             <a:r>
               <a:rPr lang="en-US" smtClean="0"/>
-              <a:t>CS6501: Information Retrieval</a:t>
+              <a:t>CS4501: Information Retrieval</a:t>
             </a:r>
             <a:endParaRPr lang="en-US"/>
           </a:p>
@@ -5748,7 +5834,7 @@
           <a:p>
             <a:r>
               <a:rPr lang="en-US" smtClean="0"/>
-              <a:t>CS6501: Information Retrieval</a:t>
+              <a:t>CS4501: Information Retrieval</a:t>
             </a:r>
             <a:endParaRPr lang="en-US"/>
           </a:p>
@@ -5794,6 +5880,157 @@
       </p:par>
     </p:tnLst>
   </p:timing>
+</p:sld>
+</file>
+
+<file path=ppt/slides/slide14.xml><?xml version="1.0" encoding="utf-8"?>
+<p:sld xmlns:a="http://schemas.openxmlformats.org/drawingml/2006/main" xmlns:r="http://schemas.openxmlformats.org/officeDocument/2006/relationships" xmlns:p="http://schemas.openxmlformats.org/presentationml/2006/main">
+  <p:cSld>
+    <p:spTree>
+      <p:nvGrpSpPr>
+        <p:cNvPr id="1" name=""/>
+        <p:cNvGrpSpPr/>
+        <p:nvPr/>
+      </p:nvGrpSpPr>
+      <p:grpSpPr>
+        <a:xfrm>
+          <a:off x="0" y="0"/>
+          <a:ext cx="0" cy="0"/>
+          <a:chOff x="0" y="0"/>
+          <a:chExt cx="0" cy="0"/>
+        </a:xfrm>
+      </p:grpSpPr>
+      <p:sp>
+        <p:nvSpPr>
+          <p:cNvPr id="2" name="Title 1"/>
+          <p:cNvSpPr>
+            <a:spLocks noGrp="1"/>
+          </p:cNvSpPr>
+          <p:nvPr>
+            <p:ph type="title"/>
+          </p:nvPr>
+        </p:nvSpPr>
+        <p:spPr/>
+        <p:txBody>
+          <a:bodyPr/>
+          <a:lstStyle/>
+          <a:p>
+            <a:r>
+              <a:rPr lang="en-US" dirty="0" smtClean="0"/>
+              <a:t>Today’s reading</a:t>
+            </a:r>
+            <a:endParaRPr lang="en-US" dirty="0"/>
+          </a:p>
+        </p:txBody>
+      </p:sp>
+      <p:sp>
+        <p:nvSpPr>
+          <p:cNvPr id="3" name="Content Placeholder 2"/>
+          <p:cNvSpPr>
+            <a:spLocks noGrp="1"/>
+          </p:cNvSpPr>
+          <p:nvPr>
+            <p:ph idx="1"/>
+          </p:nvPr>
+        </p:nvSpPr>
+        <p:spPr/>
+        <p:txBody>
+          <a:bodyPr/>
+          <a:lstStyle/>
+          <a:p>
+            <a:r>
+              <a:rPr lang="en-US" dirty="0"/>
+              <a:t>Introduction to Information Retrieval</a:t>
+            </a:r>
+          </a:p>
+          <a:p>
+            <a:pPr lvl="1"/>
+            <a:r>
+              <a:rPr lang="en-US" dirty="0"/>
+              <a:t>Chapter 19: Web search basics</a:t>
+            </a:r>
+          </a:p>
+        </p:txBody>
+      </p:sp>
+      <p:sp>
+        <p:nvSpPr>
+          <p:cNvPr id="4" name="Date Placeholder 3"/>
+          <p:cNvSpPr>
+            <a:spLocks noGrp="1"/>
+          </p:cNvSpPr>
+          <p:nvPr>
+            <p:ph type="dt" sz="half" idx="10"/>
+          </p:nvPr>
+        </p:nvSpPr>
+        <p:spPr/>
+        <p:txBody>
+          <a:bodyPr/>
+          <a:lstStyle/>
+          <a:p>
+            <a:r>
+              <a:rPr lang="en-US" smtClean="0"/>
+              <a:t>CS@UVa</a:t>
+            </a:r>
+            <a:endParaRPr lang="en-US"/>
+          </a:p>
+        </p:txBody>
+      </p:sp>
+      <p:sp>
+        <p:nvSpPr>
+          <p:cNvPr id="5" name="Footer Placeholder 4"/>
+          <p:cNvSpPr>
+            <a:spLocks noGrp="1"/>
+          </p:cNvSpPr>
+          <p:nvPr>
+            <p:ph type="ftr" sz="quarter" idx="11"/>
+          </p:nvPr>
+        </p:nvSpPr>
+        <p:spPr/>
+        <p:txBody>
+          <a:bodyPr/>
+          <a:lstStyle/>
+          <a:p>
+            <a:r>
+              <a:rPr lang="en-US" smtClean="0"/>
+              <a:t>CS4501: Information Retrieval</a:t>
+            </a:r>
+            <a:endParaRPr lang="en-US"/>
+          </a:p>
+        </p:txBody>
+      </p:sp>
+      <p:sp>
+        <p:nvSpPr>
+          <p:cNvPr id="6" name="Slide Number Placeholder 5"/>
+          <p:cNvSpPr>
+            <a:spLocks noGrp="1"/>
+          </p:cNvSpPr>
+          <p:nvPr>
+            <p:ph type="sldNum" sz="quarter" idx="12"/>
+          </p:nvPr>
+        </p:nvSpPr>
+        <p:spPr/>
+        <p:txBody>
+          <a:bodyPr/>
+          <a:lstStyle/>
+          <a:p>
+            <a:fld id="{8FFD2F68-5222-4E23-9325-DA915C0C80C8}" type="slidenum">
+              <a:rPr lang="en-US" smtClean="0"/>
+              <a:t>14</a:t>
+            </a:fld>
+            <a:endParaRPr lang="en-US"/>
+          </a:p>
+        </p:txBody>
+      </p:sp>
+    </p:spTree>
+    <p:extLst>
+      <p:ext uri="{BB962C8B-B14F-4D97-AF65-F5344CB8AC3E}">
+        <p14:creationId xmlns:p14="http://schemas.microsoft.com/office/powerpoint/2010/main" val="727420129"/>
+      </p:ext>
+    </p:extLst>
+  </p:cSld>
+  <p:clrMapOvr>
+    <a:masterClrMapping/>
+  </p:clrMapOvr>
 </p:sld>
 </file>
 
@@ -5912,7 +6149,7 @@
           <p:nvPr/>
         </p:nvPicPr>
         <p:blipFill>
-          <a:blip r:embed="rId2">
+          <a:blip r:embed="rId3">
             <a:extLst>
               <a:ext uri="{28A0092B-C50C-407E-A947-70E740481C1C}">
                 <a14:useLocalDpi xmlns:a14="http://schemas.microsoft.com/office/drawing/2010/main" val="0"/>
@@ -6387,7 +6624,7 @@
           <a:p>
             <a:r>
               <a:rPr lang="en-US" smtClean="0"/>
-              <a:t>CS6501: Information Retrieval</a:t>
+              <a:t>CS4501: Information Retrieval</a:t>
             </a:r>
             <a:endParaRPr lang="en-US"/>
           </a:p>
@@ -6440,11 +6677,41 @@
           <a:p>
             <a:r>
               <a:rPr lang="en-US" i="1" dirty="0" smtClean="0"/>
+              <a:t>Citation count: 12197 (as of Aug 27, 2014)</a:t>
+            </a:r>
+            <a:endParaRPr lang="en-US" i="1" dirty="0"/>
+          </a:p>
+        </p:txBody>
+      </p:sp>
+      <p:sp>
+        <p:nvSpPr>
+          <p:cNvPr id="21" name="TextBox 20"/>
+          <p:cNvSpPr txBox="1"/>
+          <p:nvPr/>
+        </p:nvSpPr>
+        <p:spPr>
+          <a:xfrm>
+            <a:off x="6495422" y="3780366"/>
+            <a:ext cx="2362200" cy="646331"/>
+          </a:xfrm>
+          <a:prstGeom prst="rect">
+            <a:avLst/>
+          </a:prstGeom>
+          <a:noFill/>
+        </p:spPr>
+        <p:txBody>
+          <a:bodyPr wrap="square" rtlCol="0">
+            <a:spAutoFit/>
+          </a:bodyPr>
+          <a:lstStyle/>
+          <a:p>
+            <a:r>
+              <a:rPr lang="en-US" i="1" dirty="0" smtClean="0"/>
               <a:t>Citation count: </a:t>
             </a:r>
             <a:r>
               <a:rPr lang="en-US" i="1" dirty="0" smtClean="0"/>
-              <a:t>12197 </a:t>
+              <a:t>13727 </a:t>
             </a:r>
             <a:r>
               <a:rPr lang="en-US" i="1" dirty="0" smtClean="0"/>
@@ -6452,11 +6719,7 @@
             </a:r>
             <a:r>
               <a:rPr lang="en-US" i="1" dirty="0" smtClean="0"/>
-              <a:t>27, </a:t>
-            </a:r>
-            <a:r>
-              <a:rPr lang="en-US" i="1" dirty="0" smtClean="0"/>
-              <a:t>2014)</a:t>
+              <a:t>30, 2015)</a:t>
             </a:r>
             <a:endParaRPr lang="en-US" i="1" dirty="0"/>
           </a:p>
@@ -6754,6 +7017,51 @@
                       </p:childTnLst>
                     </p:cTn>
                   </p:par>
+                  <p:par>
+                    <p:cTn id="27" fill="hold">
+                      <p:stCondLst>
+                        <p:cond delay="indefinite"/>
+                      </p:stCondLst>
+                      <p:childTnLst>
+                        <p:par>
+                          <p:cTn id="28" fill="hold">
+                            <p:stCondLst>
+                              <p:cond delay="0"/>
+                            </p:stCondLst>
+                            <p:childTnLst>
+                              <p:par>
+                                <p:cTn id="29" presetID="1" presetClass="entr" presetSubtype="0" fill="hold" grpId="0" nodeType="clickEffect">
+                                  <p:stCondLst>
+                                    <p:cond delay="0"/>
+                                  </p:stCondLst>
+                                  <p:childTnLst>
+                                    <p:set>
+                                      <p:cBhvr>
+                                        <p:cTn id="30" dur="1" fill="hold">
+                                          <p:stCondLst>
+                                            <p:cond delay="0"/>
+                                          </p:stCondLst>
+                                        </p:cTn>
+                                        <p:tgtEl>
+                                          <p:spTgt spid="21"/>
+                                        </p:tgtEl>
+                                        <p:attrNameLst>
+                                          <p:attrName>style.visibility</p:attrName>
+                                        </p:attrNameLst>
+                                      </p:cBhvr>
+                                      <p:to>
+                                        <p:strVal val="visible"/>
+                                      </p:to>
+                                    </p:set>
+                                  </p:childTnLst>
+                                </p:cTn>
+                              </p:par>
+                            </p:childTnLst>
+                          </p:cTn>
+                        </p:par>
+                      </p:childTnLst>
+                    </p:cTn>
+                  </p:par>
                 </p:childTnLst>
               </p:cTn>
               <p:prevCondLst>
@@ -6778,6 +7086,7 @@
     <p:bldLst>
       <p:bldP spid="3" grpId="0" build="p"/>
       <p:bldP spid="16" grpId="0"/>
+      <p:bldP spid="21" grpId="0"/>
     </p:bldLst>
   </p:timing>
 </p:sld>
@@ -7173,7 +7482,7 @@
           <a:p>
             <a:r>
               <a:rPr lang="en-US" smtClean="0"/>
-              <a:t>CS6501: Information Retrieval</a:t>
+              <a:t>CS4501: Information Retrieval</a:t>
             </a:r>
             <a:endParaRPr lang="en-US"/>
           </a:p>
@@ -13408,7 +13717,7 @@
           <a:p>
             <a:r>
               <a:rPr lang="en-US" smtClean="0"/>
-              <a:t>CS6501: Information Retrieval</a:t>
+              <a:t>CS4501: Information Retrieval</a:t>
             </a:r>
             <a:endParaRPr lang="en-US"/>
           </a:p>
@@ -14736,7 +15045,7 @@
           <a:p>
             <a:r>
               <a:rPr lang="en-US" smtClean="0"/>
-              <a:t>CS6501: Information Retrieval</a:t>
+              <a:t>CS4501: Information Retrieval</a:t>
             </a:r>
             <a:endParaRPr lang="en-US"/>
           </a:p>
@@ -15112,7 +15421,7 @@
           <a:p>
             <a:r>
               <a:rPr lang="en-US" smtClean="0"/>
-              <a:t>CS6501: Information Retrieval</a:t>
+              <a:t>CS4501: Information Retrieval</a:t>
             </a:r>
             <a:endParaRPr lang="en-US"/>
           </a:p>
@@ -15466,7 +15775,7 @@
           <a:p>
             <a:r>
               <a:rPr lang="en-US" smtClean="0"/>
-              <a:t>CS6501: Information Retrieval</a:t>
+              <a:t>CS4501: Information Retrieval</a:t>
             </a:r>
             <a:endParaRPr lang="en-US"/>
           </a:p>
@@ -15761,7 +16070,7 @@
           <a:p>
             <a:r>
               <a:rPr lang="en-US" smtClean="0"/>
-              <a:t>CS6501: Information Retrieval</a:t>
+              <a:t>CS4501: Information Retrieval</a:t>
             </a:r>
             <a:endParaRPr lang="en-US"/>
           </a:p>
@@ -16116,7 +16425,7 @@
           <a:p>
             <a:r>
               <a:rPr lang="en-US" smtClean="0"/>
-              <a:t>CS6501: Information Retrieval</a:t>
+              <a:t>CS4501: Information Retrieval</a:t>
             </a:r>
             <a:endParaRPr lang="en-US"/>
           </a:p>
